--- a/exams/make-it-roll/exam.pptx
+++ b/exams/make-it-roll/exam.pptx
@@ -3072,9 +3072,14 @@
               <a:t>turn on the switch “objects” in the </a:t>
             </a:r>
             <a:r>
+              <a:rPr lang="en-GB" sz="2000" dirty="0" smtClean="0"/>
+              <a:t>file </a:t>
+            </a:r>
+            <a:r>
               <a:rPr lang="en-GB" sz="2000" i="1" dirty="0" smtClean="0"/>
-              <a:t>icub_parts_activation.ini file</a:t>
-            </a:r>
+              <a:t>icub_parts_activation.ini</a:t>
+            </a:r>
+            <a:endParaRPr lang="en-GB" sz="2000" dirty="0" smtClean="0"/>
           </a:p>
           <a:p>
             <a:pPr marL="285750" indent="-285750">
@@ -3141,8 +3146,21 @@
             </a:pPr>
             <a:r>
               <a:rPr lang="en-GB" sz="2000" dirty="0" smtClean="0"/>
-              <a:t>Ask iCub to roll the ball!</a:t>
-            </a:r>
+              <a:t>Ask iCub to </a:t>
+            </a:r>
+            <a:r>
+              <a:rPr lang="en-GB" sz="2000" dirty="0" smtClean="0"/>
+              <a:t>reach for </a:t>
+            </a:r>
+            <a:r>
+              <a:rPr lang="en-GB" sz="2000" dirty="0" smtClean="0"/>
+              <a:t>the </a:t>
+            </a:r>
+            <a:r>
+              <a:rPr lang="en-GB" sz="2000" dirty="0" smtClean="0"/>
+              <a:t>ball and make it roll!</a:t>
+            </a:r>
+            <a:endParaRPr lang="en-GB" sz="2000" dirty="0" smtClean="0"/>
           </a:p>
           <a:p>
             <a:pPr marL="285750" indent="-285750">
@@ -3162,7 +3180,7 @@
         <p:spPr>
           <a:xfrm>
             <a:off x="694218" y="5662558"/>
-            <a:ext cx="9579097" cy="707886"/>
+            <a:ext cx="10172208" cy="707886"/>
           </a:xfrm>
           <a:prstGeom prst="rect">
             <a:avLst/>
@@ -3175,9 +3193,9 @@
           </a:bodyPr>
           <a:lstStyle/>
           <a:p>
-            <a:pPr marL="342900" indent="-342900">
-              <a:buFont typeface="Arial" panose="020B0604020202020204" pitchFamily="34" charset="0"/>
-              <a:buChar char="•"/>
+            <a:pPr marL="457200" indent="-457200">
+              <a:buFont typeface="+mj-lt"/>
+              <a:buAutoNum type="arabicPeriod"/>
             </a:pPr>
             <a:r>
               <a:rPr lang="en-GB" sz="2000" b="1" dirty="0" smtClean="0"/>
@@ -3189,17 +3207,21 @@
             </a:r>
             <a:r>
               <a:rPr lang="en-GB" sz="2000" b="1" dirty="0" smtClean="0"/>
-              <a:t> files, main.cpp file so as the application files</a:t>
+              <a:t> files, main.cpp </a:t>
             </a:r>
             <a:r>
               <a:rPr lang="en-GB" sz="2000" b="1" dirty="0" smtClean="0"/>
-              <a:t>.</a:t>
-            </a:r>
-          </a:p>
-          <a:p>
-            <a:pPr marL="342900" indent="-342900">
-              <a:buFont typeface="Arial" panose="020B0604020202020204" pitchFamily="34" charset="0"/>
-              <a:buChar char="•"/>
+              <a:t>module </a:t>
+            </a:r>
+            <a:r>
+              <a:rPr lang="en-GB" sz="2000" b="1" dirty="0" smtClean="0"/>
+              <a:t>so as the application files.</a:t>
+            </a:r>
+          </a:p>
+          <a:p>
+            <a:pPr marL="457200" indent="-457200">
+              <a:buFont typeface="+mj-lt"/>
+              <a:buAutoNum type="arabicPeriod"/>
             </a:pPr>
             <a:r>
               <a:rPr lang="en-GB" sz="2000" b="1" dirty="0" smtClean="0"/>

--- a/exams/make-it-roll/exam.pptx
+++ b/exams/make-it-roll/exam.pptx
@@ -243,7 +243,7 @@
           <a:p>
             <a:fld id="{874847C5-47CB-4825-BD31-31AA5D486511}" type="datetimeFigureOut">
               <a:rPr lang="en-GB" smtClean="0"/>
-              <a:t>07/07/2014</a:t>
+              <a:t>09/07/2014</a:t>
             </a:fld>
             <a:endParaRPr lang="en-GB"/>
           </a:p>
@@ -413,7 +413,7 @@
           <a:p>
             <a:fld id="{874847C5-47CB-4825-BD31-31AA5D486511}" type="datetimeFigureOut">
               <a:rPr lang="en-GB" smtClean="0"/>
-              <a:t>07/07/2014</a:t>
+              <a:t>09/07/2014</a:t>
             </a:fld>
             <a:endParaRPr lang="en-GB"/>
           </a:p>
@@ -593,7 +593,7 @@
           <a:p>
             <a:fld id="{874847C5-47CB-4825-BD31-31AA5D486511}" type="datetimeFigureOut">
               <a:rPr lang="en-GB" smtClean="0"/>
-              <a:t>07/07/2014</a:t>
+              <a:t>09/07/2014</a:t>
             </a:fld>
             <a:endParaRPr lang="en-GB"/>
           </a:p>
@@ -763,7 +763,7 @@
           <a:p>
             <a:fld id="{874847C5-47CB-4825-BD31-31AA5D486511}" type="datetimeFigureOut">
               <a:rPr lang="en-GB" smtClean="0"/>
-              <a:t>07/07/2014</a:t>
+              <a:t>09/07/2014</a:t>
             </a:fld>
             <a:endParaRPr lang="en-GB"/>
           </a:p>
@@ -1009,7 +1009,7 @@
           <a:p>
             <a:fld id="{874847C5-47CB-4825-BD31-31AA5D486511}" type="datetimeFigureOut">
               <a:rPr lang="en-GB" smtClean="0"/>
-              <a:t>07/07/2014</a:t>
+              <a:t>09/07/2014</a:t>
             </a:fld>
             <a:endParaRPr lang="en-GB"/>
           </a:p>
@@ -1241,7 +1241,7 @@
           <a:p>
             <a:fld id="{874847C5-47CB-4825-BD31-31AA5D486511}" type="datetimeFigureOut">
               <a:rPr lang="en-GB" smtClean="0"/>
-              <a:t>07/07/2014</a:t>
+              <a:t>09/07/2014</a:t>
             </a:fld>
             <a:endParaRPr lang="en-GB"/>
           </a:p>
@@ -1608,7 +1608,7 @@
           <a:p>
             <a:fld id="{874847C5-47CB-4825-BD31-31AA5D486511}" type="datetimeFigureOut">
               <a:rPr lang="en-GB" smtClean="0"/>
-              <a:t>07/07/2014</a:t>
+              <a:t>09/07/2014</a:t>
             </a:fld>
             <a:endParaRPr lang="en-GB"/>
           </a:p>
@@ -1726,7 +1726,7 @@
           <a:p>
             <a:fld id="{874847C5-47CB-4825-BD31-31AA5D486511}" type="datetimeFigureOut">
               <a:rPr lang="en-GB" smtClean="0"/>
-              <a:t>07/07/2014</a:t>
+              <a:t>09/07/2014</a:t>
             </a:fld>
             <a:endParaRPr lang="en-GB"/>
           </a:p>
@@ -1821,7 +1821,7 @@
           <a:p>
             <a:fld id="{874847C5-47CB-4825-BD31-31AA5D486511}" type="datetimeFigureOut">
               <a:rPr lang="en-GB" smtClean="0"/>
-              <a:t>07/07/2014</a:t>
+              <a:t>09/07/2014</a:t>
             </a:fld>
             <a:endParaRPr lang="en-GB"/>
           </a:p>
@@ -2098,7 +2098,7 @@
           <a:p>
             <a:fld id="{874847C5-47CB-4825-BD31-31AA5D486511}" type="datetimeFigureOut">
               <a:rPr lang="en-GB" smtClean="0"/>
-              <a:t>07/07/2014</a:t>
+              <a:t>09/07/2014</a:t>
             </a:fld>
             <a:endParaRPr lang="en-GB"/>
           </a:p>
@@ -2351,7 +2351,7 @@
           <a:p>
             <a:fld id="{874847C5-47CB-4825-BD31-31AA5D486511}" type="datetimeFigureOut">
               <a:rPr lang="en-GB" smtClean="0"/>
-              <a:t>07/07/2014</a:t>
+              <a:t>09/07/2014</a:t>
             </a:fld>
             <a:endParaRPr lang="en-GB"/>
           </a:p>
@@ -2564,7 +2564,7 @@
           <a:p>
             <a:fld id="{874847C5-47CB-4825-BD31-31AA5D486511}" type="datetimeFigureOut">
               <a:rPr lang="en-GB" smtClean="0"/>
-              <a:t>07/07/2014</a:t>
+              <a:t>09/07/2014</a:t>
             </a:fld>
             <a:endParaRPr lang="en-GB"/>
           </a:p>
@@ -3072,12 +3072,12 @@
               <a:t>turn on the switch “objects” in the </a:t>
             </a:r>
             <a:r>
-              <a:rPr lang="en-GB" sz="2000" dirty="0" smtClean="0"/>
+              <a:rPr lang="en-GB" sz="2000" smtClean="0"/>
               <a:t>file </a:t>
             </a:r>
             <a:r>
-              <a:rPr lang="en-GB" sz="2000" i="1" dirty="0" smtClean="0"/>
-              <a:t>icub_parts_activation.ini</a:t>
+              <a:rPr lang="en-GB" sz="2000" i="1" smtClean="0"/>
+              <a:t>iCub_parts_activation.ini</a:t>
             </a:r>
             <a:endParaRPr lang="en-GB" sz="2000" dirty="0" smtClean="0"/>
           </a:p>
@@ -3146,21 +3146,8 @@
             </a:pPr>
             <a:r>
               <a:rPr lang="en-GB" sz="2000" dirty="0" smtClean="0"/>
-              <a:t>Ask iCub to </a:t>
-            </a:r>
-            <a:r>
-              <a:rPr lang="en-GB" sz="2000" dirty="0" smtClean="0"/>
-              <a:t>reach for </a:t>
-            </a:r>
-            <a:r>
-              <a:rPr lang="en-GB" sz="2000" dirty="0" smtClean="0"/>
-              <a:t>the </a:t>
-            </a:r>
-            <a:r>
-              <a:rPr lang="en-GB" sz="2000" dirty="0" smtClean="0"/>
-              <a:t>ball and make it roll!</a:t>
-            </a:r>
-            <a:endParaRPr lang="en-GB" sz="2000" dirty="0" smtClean="0"/>
+              <a:t>Ask iCub to reach for the ball and make it roll!</a:t>
+            </a:r>
           </a:p>
           <a:p>
             <a:pPr marL="285750" indent="-285750">
@@ -3207,15 +3194,7 @@
             </a:r>
             <a:r>
               <a:rPr lang="en-GB" sz="2000" b="1" dirty="0" smtClean="0"/>
-              <a:t> files, main.cpp </a:t>
-            </a:r>
-            <a:r>
-              <a:rPr lang="en-GB" sz="2000" b="1" dirty="0" smtClean="0"/>
-              <a:t>module </a:t>
-            </a:r>
-            <a:r>
-              <a:rPr lang="en-GB" sz="2000" b="1" dirty="0" smtClean="0"/>
-              <a:t>so as the application files.</a:t>
+              <a:t> files, main.cpp module so as the application files.</a:t>
             </a:r>
           </a:p>
           <a:p>
